--- a/ppt 16-9/0152.我的灵真渴慕.pptx
+++ b/ppt 16-9/0152.我的灵真渴慕.pptx
@@ -129,7 +129,7 @@
           <p:cNvPr id="2" name="标题 1">
             <a:extLst>
               <a:ext uri="{FF2B5EF4-FFF2-40B4-BE49-F238E27FC236}">
-                <a16:creationId xmlns:a16="http://schemas.microsoft.com/office/drawing/2014/main" id="{741C2D36-C4A6-9CEA-1977-5679649B5F97}"/>
+                <a16:creationId xmlns:a16="http://schemas.microsoft.com/office/drawing/2014/main" id="{144AD720-1B30-726C-0377-2FC5D72C5347}"/>
               </a:ext>
             </a:extLst>
           </p:cNvPr>
@@ -166,7 +166,7 @@
           <p:cNvPr id="3" name="副标题 2">
             <a:extLst>
               <a:ext uri="{FF2B5EF4-FFF2-40B4-BE49-F238E27FC236}">
-                <a16:creationId xmlns:a16="http://schemas.microsoft.com/office/drawing/2014/main" id="{3DB10162-AB28-8319-F865-AA81F3BD0F78}"/>
+                <a16:creationId xmlns:a16="http://schemas.microsoft.com/office/drawing/2014/main" id="{AF7D0AD2-C68D-54B3-0F01-1F757DB01D8E}"/>
               </a:ext>
             </a:extLst>
           </p:cNvPr>
@@ -236,7 +236,7 @@
           <p:cNvPr id="4" name="日期占位符 3">
             <a:extLst>
               <a:ext uri="{FF2B5EF4-FFF2-40B4-BE49-F238E27FC236}">
-                <a16:creationId xmlns:a16="http://schemas.microsoft.com/office/drawing/2014/main" id="{2F1F7132-9E77-B05F-E89C-D71D65DA61C5}"/>
+                <a16:creationId xmlns:a16="http://schemas.microsoft.com/office/drawing/2014/main" id="{D43F51C8-C6C1-7F2B-43B7-EDAD825D2B32}"/>
               </a:ext>
             </a:extLst>
           </p:cNvPr>
@@ -252,7 +252,7 @@
           <a:bodyPr/>
           <a:lstStyle/>
           <a:p>
-            <a:fld id="{8F5D4BA5-417B-4B67-8669-458E5A15C168}" type="datetimeFigureOut">
+            <a:fld id="{08EC6053-80E7-4621-B8B6-4C62C4FB548A}" type="datetimeFigureOut">
               <a:rPr lang="zh-CN" altLang="en-US" smtClean="0"/>
               <a:t>2024/3/10</a:t>
             </a:fld>
@@ -265,7 +265,7 @@
           <p:cNvPr id="5" name="页脚占位符 4">
             <a:extLst>
               <a:ext uri="{FF2B5EF4-FFF2-40B4-BE49-F238E27FC236}">
-                <a16:creationId xmlns:a16="http://schemas.microsoft.com/office/drawing/2014/main" id="{33EF8648-AC1C-E8E7-97BE-1EB22B07AF15}"/>
+                <a16:creationId xmlns:a16="http://schemas.microsoft.com/office/drawing/2014/main" id="{E10B7CB7-B557-C720-2BFC-21FDDE30321B}"/>
               </a:ext>
             </a:extLst>
           </p:cNvPr>
@@ -290,7 +290,7 @@
           <p:cNvPr id="6" name="灯片编号占位符 5">
             <a:extLst>
               <a:ext uri="{FF2B5EF4-FFF2-40B4-BE49-F238E27FC236}">
-                <a16:creationId xmlns:a16="http://schemas.microsoft.com/office/drawing/2014/main" id="{04CB4B7A-8F79-30CD-F8A7-7CCCD77484D7}"/>
+                <a16:creationId xmlns:a16="http://schemas.microsoft.com/office/drawing/2014/main" id="{4CEF0B79-26B6-0EDC-7408-68B90A70AE9A}"/>
               </a:ext>
             </a:extLst>
           </p:cNvPr>
@@ -306,7 +306,7 @@
           <a:bodyPr/>
           <a:lstStyle/>
           <a:p>
-            <a:fld id="{A22E1B52-5A7C-4DEC-8270-8E8B79D366D1}" type="slidenum">
+            <a:fld id="{DF8E05D6-DE6D-4B68-A267-27C6E59C6C1C}" type="slidenum">
               <a:rPr lang="zh-CN" altLang="en-US" smtClean="0"/>
               <a:t>‹#›</a:t>
             </a:fld>
@@ -317,7 +317,7 @@
     </p:spTree>
     <p:extLst>
       <p:ext uri="{BB962C8B-B14F-4D97-AF65-F5344CB8AC3E}">
-        <p14:creationId xmlns:p14="http://schemas.microsoft.com/office/powerpoint/2010/main" val="2657730096"/>
+        <p14:creationId xmlns:p14="http://schemas.microsoft.com/office/powerpoint/2010/main" val="1868936895"/>
       </p:ext>
     </p:extLst>
   </p:cSld>
@@ -349,7 +349,7 @@
           <p:cNvPr id="2" name="标题 1">
             <a:extLst>
               <a:ext uri="{FF2B5EF4-FFF2-40B4-BE49-F238E27FC236}">
-                <a16:creationId xmlns:a16="http://schemas.microsoft.com/office/drawing/2014/main" id="{D9F35BB6-0A96-F530-4B29-12F14E9FFFB5}"/>
+                <a16:creationId xmlns:a16="http://schemas.microsoft.com/office/drawing/2014/main" id="{837AE8B7-8E27-588A-5B32-7F1099E1B5D8}"/>
               </a:ext>
             </a:extLst>
           </p:cNvPr>
@@ -377,7 +377,7 @@
           <p:cNvPr id="3" name="竖排文字占位符 2">
             <a:extLst>
               <a:ext uri="{FF2B5EF4-FFF2-40B4-BE49-F238E27FC236}">
-                <a16:creationId xmlns:a16="http://schemas.microsoft.com/office/drawing/2014/main" id="{FF639AEB-D7D6-9B0F-C1AC-42DD63AA87AB}"/>
+                <a16:creationId xmlns:a16="http://schemas.microsoft.com/office/drawing/2014/main" id="{E5B7B937-0008-E006-7E89-27F6975FCC3F}"/>
               </a:ext>
             </a:extLst>
           </p:cNvPr>
@@ -434,7 +434,7 @@
           <p:cNvPr id="4" name="日期占位符 3">
             <a:extLst>
               <a:ext uri="{FF2B5EF4-FFF2-40B4-BE49-F238E27FC236}">
-                <a16:creationId xmlns:a16="http://schemas.microsoft.com/office/drawing/2014/main" id="{C6634C05-2A97-5BD0-26E5-BD7EC12F0EE6}"/>
+                <a16:creationId xmlns:a16="http://schemas.microsoft.com/office/drawing/2014/main" id="{EE2E1E6A-AD2E-E04D-8E65-E0B83439CBA3}"/>
               </a:ext>
             </a:extLst>
           </p:cNvPr>
@@ -450,7 +450,7 @@
           <a:bodyPr/>
           <a:lstStyle/>
           <a:p>
-            <a:fld id="{8F5D4BA5-417B-4B67-8669-458E5A15C168}" type="datetimeFigureOut">
+            <a:fld id="{08EC6053-80E7-4621-B8B6-4C62C4FB548A}" type="datetimeFigureOut">
               <a:rPr lang="zh-CN" altLang="en-US" smtClean="0"/>
               <a:t>2024/3/10</a:t>
             </a:fld>
@@ -463,7 +463,7 @@
           <p:cNvPr id="5" name="页脚占位符 4">
             <a:extLst>
               <a:ext uri="{FF2B5EF4-FFF2-40B4-BE49-F238E27FC236}">
-                <a16:creationId xmlns:a16="http://schemas.microsoft.com/office/drawing/2014/main" id="{F93A021C-AEAD-2B07-FE16-EC1BCD251F82}"/>
+                <a16:creationId xmlns:a16="http://schemas.microsoft.com/office/drawing/2014/main" id="{FE07F3C3-19EA-F560-E243-0D4B50B473DC}"/>
               </a:ext>
             </a:extLst>
           </p:cNvPr>
@@ -488,7 +488,7 @@
           <p:cNvPr id="6" name="灯片编号占位符 5">
             <a:extLst>
               <a:ext uri="{FF2B5EF4-FFF2-40B4-BE49-F238E27FC236}">
-                <a16:creationId xmlns:a16="http://schemas.microsoft.com/office/drawing/2014/main" id="{0DA47007-0ECF-E424-E5C9-7960577AE9F8}"/>
+                <a16:creationId xmlns:a16="http://schemas.microsoft.com/office/drawing/2014/main" id="{CAD8B94D-BAD4-51F7-18AB-5F9A57C1F2AB}"/>
               </a:ext>
             </a:extLst>
           </p:cNvPr>
@@ -504,7 +504,7 @@
           <a:bodyPr/>
           <a:lstStyle/>
           <a:p>
-            <a:fld id="{A22E1B52-5A7C-4DEC-8270-8E8B79D366D1}" type="slidenum">
+            <a:fld id="{DF8E05D6-DE6D-4B68-A267-27C6E59C6C1C}" type="slidenum">
               <a:rPr lang="zh-CN" altLang="en-US" smtClean="0"/>
               <a:t>‹#›</a:t>
             </a:fld>
@@ -515,7 +515,7 @@
     </p:spTree>
     <p:extLst>
       <p:ext uri="{BB962C8B-B14F-4D97-AF65-F5344CB8AC3E}">
-        <p14:creationId xmlns:p14="http://schemas.microsoft.com/office/powerpoint/2010/main" val="420624330"/>
+        <p14:creationId xmlns:p14="http://schemas.microsoft.com/office/powerpoint/2010/main" val="1035112265"/>
       </p:ext>
     </p:extLst>
   </p:cSld>
@@ -547,7 +547,7 @@
           <p:cNvPr id="2" name="竖排标题 1">
             <a:extLst>
               <a:ext uri="{FF2B5EF4-FFF2-40B4-BE49-F238E27FC236}">
-                <a16:creationId xmlns:a16="http://schemas.microsoft.com/office/drawing/2014/main" id="{DCE173E7-1D87-6592-E404-AB5C6713F838}"/>
+                <a16:creationId xmlns:a16="http://schemas.microsoft.com/office/drawing/2014/main" id="{ACB846CE-3CDE-82AF-B049-9A485B245003}"/>
               </a:ext>
             </a:extLst>
           </p:cNvPr>
@@ -580,7 +580,7 @@
           <p:cNvPr id="3" name="竖排文字占位符 2">
             <a:extLst>
               <a:ext uri="{FF2B5EF4-FFF2-40B4-BE49-F238E27FC236}">
-                <a16:creationId xmlns:a16="http://schemas.microsoft.com/office/drawing/2014/main" id="{B5B39BAE-36E6-34C4-F8A9-27A7A7E5637B}"/>
+                <a16:creationId xmlns:a16="http://schemas.microsoft.com/office/drawing/2014/main" id="{8705D489-238C-91CC-13FD-7CF71E15809F}"/>
               </a:ext>
             </a:extLst>
           </p:cNvPr>
@@ -642,7 +642,7 @@
           <p:cNvPr id="4" name="日期占位符 3">
             <a:extLst>
               <a:ext uri="{FF2B5EF4-FFF2-40B4-BE49-F238E27FC236}">
-                <a16:creationId xmlns:a16="http://schemas.microsoft.com/office/drawing/2014/main" id="{8F12524D-780C-2A87-B093-506D6306BC0D}"/>
+                <a16:creationId xmlns:a16="http://schemas.microsoft.com/office/drawing/2014/main" id="{41701819-CDC0-CF18-6E19-79A478E5C792}"/>
               </a:ext>
             </a:extLst>
           </p:cNvPr>
@@ -658,7 +658,7 @@
           <a:bodyPr/>
           <a:lstStyle/>
           <a:p>
-            <a:fld id="{8F5D4BA5-417B-4B67-8669-458E5A15C168}" type="datetimeFigureOut">
+            <a:fld id="{08EC6053-80E7-4621-B8B6-4C62C4FB548A}" type="datetimeFigureOut">
               <a:rPr lang="zh-CN" altLang="en-US" smtClean="0"/>
               <a:t>2024/3/10</a:t>
             </a:fld>
@@ -671,7 +671,7 @@
           <p:cNvPr id="5" name="页脚占位符 4">
             <a:extLst>
               <a:ext uri="{FF2B5EF4-FFF2-40B4-BE49-F238E27FC236}">
-                <a16:creationId xmlns:a16="http://schemas.microsoft.com/office/drawing/2014/main" id="{FD1CE0A8-6B52-2E06-CCA4-3C01828641CC}"/>
+                <a16:creationId xmlns:a16="http://schemas.microsoft.com/office/drawing/2014/main" id="{E8785A80-0DC1-DCC1-E219-8755CA71A3E1}"/>
               </a:ext>
             </a:extLst>
           </p:cNvPr>
@@ -696,7 +696,7 @@
           <p:cNvPr id="6" name="灯片编号占位符 5">
             <a:extLst>
               <a:ext uri="{FF2B5EF4-FFF2-40B4-BE49-F238E27FC236}">
-                <a16:creationId xmlns:a16="http://schemas.microsoft.com/office/drawing/2014/main" id="{DC79DFA5-A840-7C61-121C-8A542968288E}"/>
+                <a16:creationId xmlns:a16="http://schemas.microsoft.com/office/drawing/2014/main" id="{53F30CD7-9767-6BF0-5EF3-15B628677CE6}"/>
               </a:ext>
             </a:extLst>
           </p:cNvPr>
@@ -712,7 +712,7 @@
           <a:bodyPr/>
           <a:lstStyle/>
           <a:p>
-            <a:fld id="{A22E1B52-5A7C-4DEC-8270-8E8B79D366D1}" type="slidenum">
+            <a:fld id="{DF8E05D6-DE6D-4B68-A267-27C6E59C6C1C}" type="slidenum">
               <a:rPr lang="zh-CN" altLang="en-US" smtClean="0"/>
               <a:t>‹#›</a:t>
             </a:fld>
@@ -723,7 +723,7 @@
     </p:spTree>
     <p:extLst>
       <p:ext uri="{BB962C8B-B14F-4D97-AF65-F5344CB8AC3E}">
-        <p14:creationId xmlns:p14="http://schemas.microsoft.com/office/powerpoint/2010/main" val="2008697089"/>
+        <p14:creationId xmlns:p14="http://schemas.microsoft.com/office/powerpoint/2010/main" val="458493163"/>
       </p:ext>
     </p:extLst>
   </p:cSld>
@@ -755,7 +755,7 @@
           <p:cNvPr id="2" name="标题 1">
             <a:extLst>
               <a:ext uri="{FF2B5EF4-FFF2-40B4-BE49-F238E27FC236}">
-                <a16:creationId xmlns:a16="http://schemas.microsoft.com/office/drawing/2014/main" id="{B4F4492C-1C1C-95E6-78AF-CFD4F200E0FD}"/>
+                <a16:creationId xmlns:a16="http://schemas.microsoft.com/office/drawing/2014/main" id="{08E56A0C-4698-5737-93CA-33D18A4DE3CC}"/>
               </a:ext>
             </a:extLst>
           </p:cNvPr>
@@ -783,7 +783,7 @@
           <p:cNvPr id="3" name="内容占位符 2">
             <a:extLst>
               <a:ext uri="{FF2B5EF4-FFF2-40B4-BE49-F238E27FC236}">
-                <a16:creationId xmlns:a16="http://schemas.microsoft.com/office/drawing/2014/main" id="{E13D4328-804A-CB8E-3E48-BE2658487358}"/>
+                <a16:creationId xmlns:a16="http://schemas.microsoft.com/office/drawing/2014/main" id="{2EBB9D4A-B3C3-4563-AB2B-D9998453DD69}"/>
               </a:ext>
             </a:extLst>
           </p:cNvPr>
@@ -840,7 +840,7 @@
           <p:cNvPr id="4" name="日期占位符 3">
             <a:extLst>
               <a:ext uri="{FF2B5EF4-FFF2-40B4-BE49-F238E27FC236}">
-                <a16:creationId xmlns:a16="http://schemas.microsoft.com/office/drawing/2014/main" id="{5EB89AE9-64E8-984F-7347-F2C7EBAB746B}"/>
+                <a16:creationId xmlns:a16="http://schemas.microsoft.com/office/drawing/2014/main" id="{8FBB1948-1022-870B-7A16-6EFE143B23AD}"/>
               </a:ext>
             </a:extLst>
           </p:cNvPr>
@@ -856,7 +856,7 @@
           <a:bodyPr/>
           <a:lstStyle/>
           <a:p>
-            <a:fld id="{8F5D4BA5-417B-4B67-8669-458E5A15C168}" type="datetimeFigureOut">
+            <a:fld id="{08EC6053-80E7-4621-B8B6-4C62C4FB548A}" type="datetimeFigureOut">
               <a:rPr lang="zh-CN" altLang="en-US" smtClean="0"/>
               <a:t>2024/3/10</a:t>
             </a:fld>
@@ -869,7 +869,7 @@
           <p:cNvPr id="5" name="页脚占位符 4">
             <a:extLst>
               <a:ext uri="{FF2B5EF4-FFF2-40B4-BE49-F238E27FC236}">
-                <a16:creationId xmlns:a16="http://schemas.microsoft.com/office/drawing/2014/main" id="{AF227F5F-F2D8-4AFD-42B0-10001B43399F}"/>
+                <a16:creationId xmlns:a16="http://schemas.microsoft.com/office/drawing/2014/main" id="{4F98C249-D75D-973F-66C6-6ECB67B7CEAF}"/>
               </a:ext>
             </a:extLst>
           </p:cNvPr>
@@ -894,7 +894,7 @@
           <p:cNvPr id="6" name="灯片编号占位符 5">
             <a:extLst>
               <a:ext uri="{FF2B5EF4-FFF2-40B4-BE49-F238E27FC236}">
-                <a16:creationId xmlns:a16="http://schemas.microsoft.com/office/drawing/2014/main" id="{F7D3BB94-8E77-8661-7649-A003C717AB35}"/>
+                <a16:creationId xmlns:a16="http://schemas.microsoft.com/office/drawing/2014/main" id="{DE9B2882-DD46-A5D5-E8BF-B244F4BDFE16}"/>
               </a:ext>
             </a:extLst>
           </p:cNvPr>
@@ -910,7 +910,7 @@
           <a:bodyPr/>
           <a:lstStyle/>
           <a:p>
-            <a:fld id="{A22E1B52-5A7C-4DEC-8270-8E8B79D366D1}" type="slidenum">
+            <a:fld id="{DF8E05D6-DE6D-4B68-A267-27C6E59C6C1C}" type="slidenum">
               <a:rPr lang="zh-CN" altLang="en-US" smtClean="0"/>
               <a:t>‹#›</a:t>
             </a:fld>
@@ -921,7 +921,7 @@
     </p:spTree>
     <p:extLst>
       <p:ext uri="{BB962C8B-B14F-4D97-AF65-F5344CB8AC3E}">
-        <p14:creationId xmlns:p14="http://schemas.microsoft.com/office/powerpoint/2010/main" val="1097879751"/>
+        <p14:creationId xmlns:p14="http://schemas.microsoft.com/office/powerpoint/2010/main" val="2053766607"/>
       </p:ext>
     </p:extLst>
   </p:cSld>
@@ -953,7 +953,7 @@
           <p:cNvPr id="2" name="标题 1">
             <a:extLst>
               <a:ext uri="{FF2B5EF4-FFF2-40B4-BE49-F238E27FC236}">
-                <a16:creationId xmlns:a16="http://schemas.microsoft.com/office/drawing/2014/main" id="{DC2A7458-7C09-5B5C-FE79-636AE779BF20}"/>
+                <a16:creationId xmlns:a16="http://schemas.microsoft.com/office/drawing/2014/main" id="{D8A9E6DC-907F-B272-FC01-C4403E4E75BF}"/>
               </a:ext>
             </a:extLst>
           </p:cNvPr>
@@ -990,7 +990,7 @@
           <p:cNvPr id="3" name="文本占位符 2">
             <a:extLst>
               <a:ext uri="{FF2B5EF4-FFF2-40B4-BE49-F238E27FC236}">
-                <a16:creationId xmlns:a16="http://schemas.microsoft.com/office/drawing/2014/main" id="{8E69E742-0CAA-0046-812A-F90FC64B5256}"/>
+                <a16:creationId xmlns:a16="http://schemas.microsoft.com/office/drawing/2014/main" id="{687ECD65-6BA6-CB69-236F-64F7B005792A}"/>
               </a:ext>
             </a:extLst>
           </p:cNvPr>
@@ -1115,7 +1115,7 @@
           <p:cNvPr id="4" name="日期占位符 3">
             <a:extLst>
               <a:ext uri="{FF2B5EF4-FFF2-40B4-BE49-F238E27FC236}">
-                <a16:creationId xmlns:a16="http://schemas.microsoft.com/office/drawing/2014/main" id="{4118911B-4C7F-064E-5891-B799AE0EF3E1}"/>
+                <a16:creationId xmlns:a16="http://schemas.microsoft.com/office/drawing/2014/main" id="{EBBBDE2C-5594-46DC-2FAD-4F8983AD4AB2}"/>
               </a:ext>
             </a:extLst>
           </p:cNvPr>
@@ -1131,7 +1131,7 @@
           <a:bodyPr/>
           <a:lstStyle/>
           <a:p>
-            <a:fld id="{8F5D4BA5-417B-4B67-8669-458E5A15C168}" type="datetimeFigureOut">
+            <a:fld id="{08EC6053-80E7-4621-B8B6-4C62C4FB548A}" type="datetimeFigureOut">
               <a:rPr lang="zh-CN" altLang="en-US" smtClean="0"/>
               <a:t>2024/3/10</a:t>
             </a:fld>
@@ -1144,7 +1144,7 @@
           <p:cNvPr id="5" name="页脚占位符 4">
             <a:extLst>
               <a:ext uri="{FF2B5EF4-FFF2-40B4-BE49-F238E27FC236}">
-                <a16:creationId xmlns:a16="http://schemas.microsoft.com/office/drawing/2014/main" id="{B92FE45D-3F52-76CD-4101-470DA5A1AABC}"/>
+                <a16:creationId xmlns:a16="http://schemas.microsoft.com/office/drawing/2014/main" id="{4EEB1811-DAC1-66B6-8765-9B2F66D1BFE7}"/>
               </a:ext>
             </a:extLst>
           </p:cNvPr>
@@ -1169,7 +1169,7 @@
           <p:cNvPr id="6" name="灯片编号占位符 5">
             <a:extLst>
               <a:ext uri="{FF2B5EF4-FFF2-40B4-BE49-F238E27FC236}">
-                <a16:creationId xmlns:a16="http://schemas.microsoft.com/office/drawing/2014/main" id="{B2CF37F8-5965-6876-19F4-DB30EE7CBF78}"/>
+                <a16:creationId xmlns:a16="http://schemas.microsoft.com/office/drawing/2014/main" id="{1AE9909C-118E-5970-64FA-81669EC0F6CC}"/>
               </a:ext>
             </a:extLst>
           </p:cNvPr>
@@ -1185,7 +1185,7 @@
           <a:bodyPr/>
           <a:lstStyle/>
           <a:p>
-            <a:fld id="{A22E1B52-5A7C-4DEC-8270-8E8B79D366D1}" type="slidenum">
+            <a:fld id="{DF8E05D6-DE6D-4B68-A267-27C6E59C6C1C}" type="slidenum">
               <a:rPr lang="zh-CN" altLang="en-US" smtClean="0"/>
               <a:t>‹#›</a:t>
             </a:fld>
@@ -1196,7 +1196,7 @@
     </p:spTree>
     <p:extLst>
       <p:ext uri="{BB962C8B-B14F-4D97-AF65-F5344CB8AC3E}">
-        <p14:creationId xmlns:p14="http://schemas.microsoft.com/office/powerpoint/2010/main" val="3360906773"/>
+        <p14:creationId xmlns:p14="http://schemas.microsoft.com/office/powerpoint/2010/main" val="2847574010"/>
       </p:ext>
     </p:extLst>
   </p:cSld>
@@ -1228,7 +1228,7 @@
           <p:cNvPr id="2" name="标题 1">
             <a:extLst>
               <a:ext uri="{FF2B5EF4-FFF2-40B4-BE49-F238E27FC236}">
-                <a16:creationId xmlns:a16="http://schemas.microsoft.com/office/drawing/2014/main" id="{FCE5544C-9EF2-1CC9-B352-CDA582EE9A93}"/>
+                <a16:creationId xmlns:a16="http://schemas.microsoft.com/office/drawing/2014/main" id="{67D4C5DA-7EB9-831A-18E5-2F70F2117771}"/>
               </a:ext>
             </a:extLst>
           </p:cNvPr>
@@ -1256,7 +1256,7 @@
           <p:cNvPr id="3" name="内容占位符 2">
             <a:extLst>
               <a:ext uri="{FF2B5EF4-FFF2-40B4-BE49-F238E27FC236}">
-                <a16:creationId xmlns:a16="http://schemas.microsoft.com/office/drawing/2014/main" id="{EE7C7C73-42F9-66A3-1592-6E5D2415B4AC}"/>
+                <a16:creationId xmlns:a16="http://schemas.microsoft.com/office/drawing/2014/main" id="{516DB8D8-9CA7-AAC2-302F-E6F97CE47A03}"/>
               </a:ext>
             </a:extLst>
           </p:cNvPr>
@@ -1318,7 +1318,7 @@
           <p:cNvPr id="4" name="内容占位符 3">
             <a:extLst>
               <a:ext uri="{FF2B5EF4-FFF2-40B4-BE49-F238E27FC236}">
-                <a16:creationId xmlns:a16="http://schemas.microsoft.com/office/drawing/2014/main" id="{3B9B871E-0B48-95D8-C282-8FEF91A24AF0}"/>
+                <a16:creationId xmlns:a16="http://schemas.microsoft.com/office/drawing/2014/main" id="{151F16D5-6E3A-78FA-1029-E5030A34C969}"/>
               </a:ext>
             </a:extLst>
           </p:cNvPr>
@@ -1380,7 +1380,7 @@
           <p:cNvPr id="5" name="日期占位符 4">
             <a:extLst>
               <a:ext uri="{FF2B5EF4-FFF2-40B4-BE49-F238E27FC236}">
-                <a16:creationId xmlns:a16="http://schemas.microsoft.com/office/drawing/2014/main" id="{80FFE967-E563-6B5D-24B4-FDFB41701F0E}"/>
+                <a16:creationId xmlns:a16="http://schemas.microsoft.com/office/drawing/2014/main" id="{79071BCB-2575-5EE5-1215-FDFF3414B1D2}"/>
               </a:ext>
             </a:extLst>
           </p:cNvPr>
@@ -1396,7 +1396,7 @@
           <a:bodyPr/>
           <a:lstStyle/>
           <a:p>
-            <a:fld id="{8F5D4BA5-417B-4B67-8669-458E5A15C168}" type="datetimeFigureOut">
+            <a:fld id="{08EC6053-80E7-4621-B8B6-4C62C4FB548A}" type="datetimeFigureOut">
               <a:rPr lang="zh-CN" altLang="en-US" smtClean="0"/>
               <a:t>2024/3/10</a:t>
             </a:fld>
@@ -1409,7 +1409,7 @@
           <p:cNvPr id="6" name="页脚占位符 5">
             <a:extLst>
               <a:ext uri="{FF2B5EF4-FFF2-40B4-BE49-F238E27FC236}">
-                <a16:creationId xmlns:a16="http://schemas.microsoft.com/office/drawing/2014/main" id="{12901F00-705F-AFE4-0243-E59F8763C3F1}"/>
+                <a16:creationId xmlns:a16="http://schemas.microsoft.com/office/drawing/2014/main" id="{B9B41D1D-700F-A9B7-52FC-97341A98AEF8}"/>
               </a:ext>
             </a:extLst>
           </p:cNvPr>
@@ -1434,7 +1434,7 @@
           <p:cNvPr id="7" name="灯片编号占位符 6">
             <a:extLst>
               <a:ext uri="{FF2B5EF4-FFF2-40B4-BE49-F238E27FC236}">
-                <a16:creationId xmlns:a16="http://schemas.microsoft.com/office/drawing/2014/main" id="{B4B63692-A644-AF6C-DD0F-D097238884DC}"/>
+                <a16:creationId xmlns:a16="http://schemas.microsoft.com/office/drawing/2014/main" id="{377F29D8-5AA7-0469-43E0-45198E54CDA1}"/>
               </a:ext>
             </a:extLst>
           </p:cNvPr>
@@ -1450,7 +1450,7 @@
           <a:bodyPr/>
           <a:lstStyle/>
           <a:p>
-            <a:fld id="{A22E1B52-5A7C-4DEC-8270-8E8B79D366D1}" type="slidenum">
+            <a:fld id="{DF8E05D6-DE6D-4B68-A267-27C6E59C6C1C}" type="slidenum">
               <a:rPr lang="zh-CN" altLang="en-US" smtClean="0"/>
               <a:t>‹#›</a:t>
             </a:fld>
@@ -1461,7 +1461,7 @@
     </p:spTree>
     <p:extLst>
       <p:ext uri="{BB962C8B-B14F-4D97-AF65-F5344CB8AC3E}">
-        <p14:creationId xmlns:p14="http://schemas.microsoft.com/office/powerpoint/2010/main" val="2739125782"/>
+        <p14:creationId xmlns:p14="http://schemas.microsoft.com/office/powerpoint/2010/main" val="2465445732"/>
       </p:ext>
     </p:extLst>
   </p:cSld>
@@ -1493,7 +1493,7 @@
           <p:cNvPr id="2" name="标题 1">
             <a:extLst>
               <a:ext uri="{FF2B5EF4-FFF2-40B4-BE49-F238E27FC236}">
-                <a16:creationId xmlns:a16="http://schemas.microsoft.com/office/drawing/2014/main" id="{CC5CFCFE-C4C5-1E78-71AB-13226AB9419B}"/>
+                <a16:creationId xmlns:a16="http://schemas.microsoft.com/office/drawing/2014/main" id="{AEFA11A1-7501-DCB1-477D-6FB13DF9BB4B}"/>
               </a:ext>
             </a:extLst>
           </p:cNvPr>
@@ -1526,7 +1526,7 @@
           <p:cNvPr id="3" name="文本占位符 2">
             <a:extLst>
               <a:ext uri="{FF2B5EF4-FFF2-40B4-BE49-F238E27FC236}">
-                <a16:creationId xmlns:a16="http://schemas.microsoft.com/office/drawing/2014/main" id="{E398B038-C9E1-F895-563F-85301A9B8611}"/>
+                <a16:creationId xmlns:a16="http://schemas.microsoft.com/office/drawing/2014/main" id="{23BDD9FC-8666-587F-CF8A-021772E9A366}"/>
               </a:ext>
             </a:extLst>
           </p:cNvPr>
@@ -1597,7 +1597,7 @@
           <p:cNvPr id="4" name="内容占位符 3">
             <a:extLst>
               <a:ext uri="{FF2B5EF4-FFF2-40B4-BE49-F238E27FC236}">
-                <a16:creationId xmlns:a16="http://schemas.microsoft.com/office/drawing/2014/main" id="{E250FAF0-BD5C-6501-A92F-0865B310C94A}"/>
+                <a16:creationId xmlns:a16="http://schemas.microsoft.com/office/drawing/2014/main" id="{87E5955F-8FB5-EECA-7ADD-673AC9A43BD6}"/>
               </a:ext>
             </a:extLst>
           </p:cNvPr>
@@ -1659,7 +1659,7 @@
           <p:cNvPr id="5" name="文本占位符 4">
             <a:extLst>
               <a:ext uri="{FF2B5EF4-FFF2-40B4-BE49-F238E27FC236}">
-                <a16:creationId xmlns:a16="http://schemas.microsoft.com/office/drawing/2014/main" id="{0A965290-0865-4579-B460-E04554C12488}"/>
+                <a16:creationId xmlns:a16="http://schemas.microsoft.com/office/drawing/2014/main" id="{8B6C98C7-D079-8672-5FD4-716A904EA31C}"/>
               </a:ext>
             </a:extLst>
           </p:cNvPr>
@@ -1730,7 +1730,7 @@
           <p:cNvPr id="6" name="内容占位符 5">
             <a:extLst>
               <a:ext uri="{FF2B5EF4-FFF2-40B4-BE49-F238E27FC236}">
-                <a16:creationId xmlns:a16="http://schemas.microsoft.com/office/drawing/2014/main" id="{06F1DEB2-F434-490C-AE00-FD6CB12291D6}"/>
+                <a16:creationId xmlns:a16="http://schemas.microsoft.com/office/drawing/2014/main" id="{B748F99D-9C4D-A7AC-B37D-3714DC38A014}"/>
               </a:ext>
             </a:extLst>
           </p:cNvPr>
@@ -1792,7 +1792,7 @@
           <p:cNvPr id="7" name="日期占位符 6">
             <a:extLst>
               <a:ext uri="{FF2B5EF4-FFF2-40B4-BE49-F238E27FC236}">
-                <a16:creationId xmlns:a16="http://schemas.microsoft.com/office/drawing/2014/main" id="{E0F135F0-4128-2388-DED8-E97A9779D28F}"/>
+                <a16:creationId xmlns:a16="http://schemas.microsoft.com/office/drawing/2014/main" id="{91306EA2-039E-9B5E-8899-3833B56EC8DB}"/>
               </a:ext>
             </a:extLst>
           </p:cNvPr>
@@ -1808,7 +1808,7 @@
           <a:bodyPr/>
           <a:lstStyle/>
           <a:p>
-            <a:fld id="{8F5D4BA5-417B-4B67-8669-458E5A15C168}" type="datetimeFigureOut">
+            <a:fld id="{08EC6053-80E7-4621-B8B6-4C62C4FB548A}" type="datetimeFigureOut">
               <a:rPr lang="zh-CN" altLang="en-US" smtClean="0"/>
               <a:t>2024/3/10</a:t>
             </a:fld>
@@ -1821,7 +1821,7 @@
           <p:cNvPr id="8" name="页脚占位符 7">
             <a:extLst>
               <a:ext uri="{FF2B5EF4-FFF2-40B4-BE49-F238E27FC236}">
-                <a16:creationId xmlns:a16="http://schemas.microsoft.com/office/drawing/2014/main" id="{EC6FF0EE-4F7B-3D2C-801D-0651AE3A567C}"/>
+                <a16:creationId xmlns:a16="http://schemas.microsoft.com/office/drawing/2014/main" id="{5028EC8D-37D2-8514-B3BD-6644E87129AA}"/>
               </a:ext>
             </a:extLst>
           </p:cNvPr>
@@ -1846,7 +1846,7 @@
           <p:cNvPr id="9" name="灯片编号占位符 8">
             <a:extLst>
               <a:ext uri="{FF2B5EF4-FFF2-40B4-BE49-F238E27FC236}">
-                <a16:creationId xmlns:a16="http://schemas.microsoft.com/office/drawing/2014/main" id="{C9DADF5D-F8DA-245D-FB9D-1F1E88D6ACDE}"/>
+                <a16:creationId xmlns:a16="http://schemas.microsoft.com/office/drawing/2014/main" id="{F8633EBE-9CF6-DB00-8009-48422644BDF4}"/>
               </a:ext>
             </a:extLst>
           </p:cNvPr>
@@ -1862,7 +1862,7 @@
           <a:bodyPr/>
           <a:lstStyle/>
           <a:p>
-            <a:fld id="{A22E1B52-5A7C-4DEC-8270-8E8B79D366D1}" type="slidenum">
+            <a:fld id="{DF8E05D6-DE6D-4B68-A267-27C6E59C6C1C}" type="slidenum">
               <a:rPr lang="zh-CN" altLang="en-US" smtClean="0"/>
               <a:t>‹#›</a:t>
             </a:fld>
@@ -1873,7 +1873,7 @@
     </p:spTree>
     <p:extLst>
       <p:ext uri="{BB962C8B-B14F-4D97-AF65-F5344CB8AC3E}">
-        <p14:creationId xmlns:p14="http://schemas.microsoft.com/office/powerpoint/2010/main" val="688605305"/>
+        <p14:creationId xmlns:p14="http://schemas.microsoft.com/office/powerpoint/2010/main" val="2527187319"/>
       </p:ext>
     </p:extLst>
   </p:cSld>
@@ -1905,7 +1905,7 @@
           <p:cNvPr id="2" name="标题 1">
             <a:extLst>
               <a:ext uri="{FF2B5EF4-FFF2-40B4-BE49-F238E27FC236}">
-                <a16:creationId xmlns:a16="http://schemas.microsoft.com/office/drawing/2014/main" id="{59B21CF1-352C-2D8E-7526-A1BE7502A422}"/>
+                <a16:creationId xmlns:a16="http://schemas.microsoft.com/office/drawing/2014/main" id="{722A3F11-2985-64F9-E9C8-399A9E3DAAA5}"/>
               </a:ext>
             </a:extLst>
           </p:cNvPr>
@@ -1933,7 +1933,7 @@
           <p:cNvPr id="3" name="日期占位符 2">
             <a:extLst>
               <a:ext uri="{FF2B5EF4-FFF2-40B4-BE49-F238E27FC236}">
-                <a16:creationId xmlns:a16="http://schemas.microsoft.com/office/drawing/2014/main" id="{7E3FFCFF-3609-15B0-28FB-3D1839F09D26}"/>
+                <a16:creationId xmlns:a16="http://schemas.microsoft.com/office/drawing/2014/main" id="{9C47437E-D9F3-7DD1-7CC5-049904E895C6}"/>
               </a:ext>
             </a:extLst>
           </p:cNvPr>
@@ -1949,7 +1949,7 @@
           <a:bodyPr/>
           <a:lstStyle/>
           <a:p>
-            <a:fld id="{8F5D4BA5-417B-4B67-8669-458E5A15C168}" type="datetimeFigureOut">
+            <a:fld id="{08EC6053-80E7-4621-B8B6-4C62C4FB548A}" type="datetimeFigureOut">
               <a:rPr lang="zh-CN" altLang="en-US" smtClean="0"/>
               <a:t>2024/3/10</a:t>
             </a:fld>
@@ -1962,7 +1962,7 @@
           <p:cNvPr id="4" name="页脚占位符 3">
             <a:extLst>
               <a:ext uri="{FF2B5EF4-FFF2-40B4-BE49-F238E27FC236}">
-                <a16:creationId xmlns:a16="http://schemas.microsoft.com/office/drawing/2014/main" id="{C0760123-D2F7-273B-9BA2-133296818467}"/>
+                <a16:creationId xmlns:a16="http://schemas.microsoft.com/office/drawing/2014/main" id="{6071CC97-ABCB-40FB-5D09-65DA0B2F007F}"/>
               </a:ext>
             </a:extLst>
           </p:cNvPr>
@@ -1987,7 +1987,7 @@
           <p:cNvPr id="5" name="灯片编号占位符 4">
             <a:extLst>
               <a:ext uri="{FF2B5EF4-FFF2-40B4-BE49-F238E27FC236}">
-                <a16:creationId xmlns:a16="http://schemas.microsoft.com/office/drawing/2014/main" id="{20D476B6-1E53-E2F9-5168-65B48CB61C47}"/>
+                <a16:creationId xmlns:a16="http://schemas.microsoft.com/office/drawing/2014/main" id="{449C52FC-7F51-E07C-F11A-D739DA242F0B}"/>
               </a:ext>
             </a:extLst>
           </p:cNvPr>
@@ -2003,7 +2003,7 @@
           <a:bodyPr/>
           <a:lstStyle/>
           <a:p>
-            <a:fld id="{A22E1B52-5A7C-4DEC-8270-8E8B79D366D1}" type="slidenum">
+            <a:fld id="{DF8E05D6-DE6D-4B68-A267-27C6E59C6C1C}" type="slidenum">
               <a:rPr lang="zh-CN" altLang="en-US" smtClean="0"/>
               <a:t>‹#›</a:t>
             </a:fld>
@@ -2014,7 +2014,7 @@
     </p:spTree>
     <p:extLst>
       <p:ext uri="{BB962C8B-B14F-4D97-AF65-F5344CB8AC3E}">
-        <p14:creationId xmlns:p14="http://schemas.microsoft.com/office/powerpoint/2010/main" val="2430134559"/>
+        <p14:creationId xmlns:p14="http://schemas.microsoft.com/office/powerpoint/2010/main" val="364629225"/>
       </p:ext>
     </p:extLst>
   </p:cSld>
@@ -2046,7 +2046,7 @@
           <p:cNvPr id="2" name="日期占位符 1">
             <a:extLst>
               <a:ext uri="{FF2B5EF4-FFF2-40B4-BE49-F238E27FC236}">
-                <a16:creationId xmlns:a16="http://schemas.microsoft.com/office/drawing/2014/main" id="{3433C1B4-ECDE-650A-82A3-8C15B86B2F35}"/>
+                <a16:creationId xmlns:a16="http://schemas.microsoft.com/office/drawing/2014/main" id="{E7CB516F-2785-AB6E-83E2-66B0928D45E0}"/>
               </a:ext>
             </a:extLst>
           </p:cNvPr>
@@ -2062,7 +2062,7 @@
           <a:bodyPr/>
           <a:lstStyle/>
           <a:p>
-            <a:fld id="{8F5D4BA5-417B-4B67-8669-458E5A15C168}" type="datetimeFigureOut">
+            <a:fld id="{08EC6053-80E7-4621-B8B6-4C62C4FB548A}" type="datetimeFigureOut">
               <a:rPr lang="zh-CN" altLang="en-US" smtClean="0"/>
               <a:t>2024/3/10</a:t>
             </a:fld>
@@ -2075,7 +2075,7 @@
           <p:cNvPr id="3" name="页脚占位符 2">
             <a:extLst>
               <a:ext uri="{FF2B5EF4-FFF2-40B4-BE49-F238E27FC236}">
-                <a16:creationId xmlns:a16="http://schemas.microsoft.com/office/drawing/2014/main" id="{49589D99-2916-90CD-B5A8-DEDA1C8A26ED}"/>
+                <a16:creationId xmlns:a16="http://schemas.microsoft.com/office/drawing/2014/main" id="{7AFDA120-D4F3-9F3B-A141-ED8DC1FAEE8A}"/>
               </a:ext>
             </a:extLst>
           </p:cNvPr>
@@ -2100,7 +2100,7 @@
           <p:cNvPr id="4" name="灯片编号占位符 3">
             <a:extLst>
               <a:ext uri="{FF2B5EF4-FFF2-40B4-BE49-F238E27FC236}">
-                <a16:creationId xmlns:a16="http://schemas.microsoft.com/office/drawing/2014/main" id="{DD95E612-A060-2C53-8F2B-2BA0AC9B0DAC}"/>
+                <a16:creationId xmlns:a16="http://schemas.microsoft.com/office/drawing/2014/main" id="{D04026D0-0A0C-1317-8795-51B1D3345A40}"/>
               </a:ext>
             </a:extLst>
           </p:cNvPr>
@@ -2116,7 +2116,7 @@
           <a:bodyPr/>
           <a:lstStyle/>
           <a:p>
-            <a:fld id="{A22E1B52-5A7C-4DEC-8270-8E8B79D366D1}" type="slidenum">
+            <a:fld id="{DF8E05D6-DE6D-4B68-A267-27C6E59C6C1C}" type="slidenum">
               <a:rPr lang="zh-CN" altLang="en-US" smtClean="0"/>
               <a:t>‹#›</a:t>
             </a:fld>
@@ -2127,7 +2127,7 @@
     </p:spTree>
     <p:extLst>
       <p:ext uri="{BB962C8B-B14F-4D97-AF65-F5344CB8AC3E}">
-        <p14:creationId xmlns:p14="http://schemas.microsoft.com/office/powerpoint/2010/main" val="2605978512"/>
+        <p14:creationId xmlns:p14="http://schemas.microsoft.com/office/powerpoint/2010/main" val="745336051"/>
       </p:ext>
     </p:extLst>
   </p:cSld>
@@ -2159,7 +2159,7 @@
           <p:cNvPr id="2" name="标题 1">
             <a:extLst>
               <a:ext uri="{FF2B5EF4-FFF2-40B4-BE49-F238E27FC236}">
-                <a16:creationId xmlns:a16="http://schemas.microsoft.com/office/drawing/2014/main" id="{89CB61C3-57E9-B8D2-32A0-31F1796D8C0F}"/>
+                <a16:creationId xmlns:a16="http://schemas.microsoft.com/office/drawing/2014/main" id="{E6823372-E333-E430-6C81-3413705C2432}"/>
               </a:ext>
             </a:extLst>
           </p:cNvPr>
@@ -2196,7 +2196,7 @@
           <p:cNvPr id="3" name="内容占位符 2">
             <a:extLst>
               <a:ext uri="{FF2B5EF4-FFF2-40B4-BE49-F238E27FC236}">
-                <a16:creationId xmlns:a16="http://schemas.microsoft.com/office/drawing/2014/main" id="{4F723638-E76D-4698-AFE5-1FB7EF9A72AB}"/>
+                <a16:creationId xmlns:a16="http://schemas.microsoft.com/office/drawing/2014/main" id="{A23ACF92-1845-8046-222E-02BF77277CFC}"/>
               </a:ext>
             </a:extLst>
           </p:cNvPr>
@@ -2286,7 +2286,7 @@
           <p:cNvPr id="4" name="文本占位符 3">
             <a:extLst>
               <a:ext uri="{FF2B5EF4-FFF2-40B4-BE49-F238E27FC236}">
-                <a16:creationId xmlns:a16="http://schemas.microsoft.com/office/drawing/2014/main" id="{A01D7301-5B55-B492-9908-22FB6703E18C}"/>
+                <a16:creationId xmlns:a16="http://schemas.microsoft.com/office/drawing/2014/main" id="{EBC1C79E-B52A-0894-ABC3-A5DA416DF1B3}"/>
               </a:ext>
             </a:extLst>
           </p:cNvPr>
@@ -2357,7 +2357,7 @@
           <p:cNvPr id="5" name="日期占位符 4">
             <a:extLst>
               <a:ext uri="{FF2B5EF4-FFF2-40B4-BE49-F238E27FC236}">
-                <a16:creationId xmlns:a16="http://schemas.microsoft.com/office/drawing/2014/main" id="{E1B5B458-0B6A-FD7F-C6A1-6487DED56250}"/>
+                <a16:creationId xmlns:a16="http://schemas.microsoft.com/office/drawing/2014/main" id="{287E6E3B-7299-FB67-EAC9-7D907AFB48E0}"/>
               </a:ext>
             </a:extLst>
           </p:cNvPr>
@@ -2373,7 +2373,7 @@
           <a:bodyPr/>
           <a:lstStyle/>
           <a:p>
-            <a:fld id="{8F5D4BA5-417B-4B67-8669-458E5A15C168}" type="datetimeFigureOut">
+            <a:fld id="{08EC6053-80E7-4621-B8B6-4C62C4FB548A}" type="datetimeFigureOut">
               <a:rPr lang="zh-CN" altLang="en-US" smtClean="0"/>
               <a:t>2024/3/10</a:t>
             </a:fld>
@@ -2386,7 +2386,7 @@
           <p:cNvPr id="6" name="页脚占位符 5">
             <a:extLst>
               <a:ext uri="{FF2B5EF4-FFF2-40B4-BE49-F238E27FC236}">
-                <a16:creationId xmlns:a16="http://schemas.microsoft.com/office/drawing/2014/main" id="{7014DA25-4B96-4484-A509-94C9FD9C5FA2}"/>
+                <a16:creationId xmlns:a16="http://schemas.microsoft.com/office/drawing/2014/main" id="{EC98AD15-66DE-5AEA-E955-C53E89D21856}"/>
               </a:ext>
             </a:extLst>
           </p:cNvPr>
@@ -2411,7 +2411,7 @@
           <p:cNvPr id="7" name="灯片编号占位符 6">
             <a:extLst>
               <a:ext uri="{FF2B5EF4-FFF2-40B4-BE49-F238E27FC236}">
-                <a16:creationId xmlns:a16="http://schemas.microsoft.com/office/drawing/2014/main" id="{A4996D0B-71AF-1FA9-88B6-931F883EBE0B}"/>
+                <a16:creationId xmlns:a16="http://schemas.microsoft.com/office/drawing/2014/main" id="{081FAA94-C70F-8BDA-E36C-335105199555}"/>
               </a:ext>
             </a:extLst>
           </p:cNvPr>
@@ -2427,7 +2427,7 @@
           <a:bodyPr/>
           <a:lstStyle/>
           <a:p>
-            <a:fld id="{A22E1B52-5A7C-4DEC-8270-8E8B79D366D1}" type="slidenum">
+            <a:fld id="{DF8E05D6-DE6D-4B68-A267-27C6E59C6C1C}" type="slidenum">
               <a:rPr lang="zh-CN" altLang="en-US" smtClean="0"/>
               <a:t>‹#›</a:t>
             </a:fld>
@@ -2438,7 +2438,7 @@
     </p:spTree>
     <p:extLst>
       <p:ext uri="{BB962C8B-B14F-4D97-AF65-F5344CB8AC3E}">
-        <p14:creationId xmlns:p14="http://schemas.microsoft.com/office/powerpoint/2010/main" val="2500902248"/>
+        <p14:creationId xmlns:p14="http://schemas.microsoft.com/office/powerpoint/2010/main" val="2545982357"/>
       </p:ext>
     </p:extLst>
   </p:cSld>
@@ -2470,7 +2470,7 @@
           <p:cNvPr id="2" name="标题 1">
             <a:extLst>
               <a:ext uri="{FF2B5EF4-FFF2-40B4-BE49-F238E27FC236}">
-                <a16:creationId xmlns:a16="http://schemas.microsoft.com/office/drawing/2014/main" id="{33A0BEAB-3592-6D98-04E9-534A759C2BAA}"/>
+                <a16:creationId xmlns:a16="http://schemas.microsoft.com/office/drawing/2014/main" id="{831D0ADC-B31A-35B9-C263-0BF40B6E0304}"/>
               </a:ext>
             </a:extLst>
           </p:cNvPr>
@@ -2507,7 +2507,7 @@
           <p:cNvPr id="3" name="图片占位符 2">
             <a:extLst>
               <a:ext uri="{FF2B5EF4-FFF2-40B4-BE49-F238E27FC236}">
-                <a16:creationId xmlns:a16="http://schemas.microsoft.com/office/drawing/2014/main" id="{85FF66D5-CB12-16B3-6DFF-9EAE8EA78982}"/>
+                <a16:creationId xmlns:a16="http://schemas.microsoft.com/office/drawing/2014/main" id="{784CA65A-0A54-CE23-AE4B-F68F8A8A890A}"/>
               </a:ext>
             </a:extLst>
           </p:cNvPr>
@@ -2574,7 +2574,7 @@
           <p:cNvPr id="4" name="文本占位符 3">
             <a:extLst>
               <a:ext uri="{FF2B5EF4-FFF2-40B4-BE49-F238E27FC236}">
-                <a16:creationId xmlns:a16="http://schemas.microsoft.com/office/drawing/2014/main" id="{E5138B8D-AFA2-2953-DE4C-777489A40943}"/>
+                <a16:creationId xmlns:a16="http://schemas.microsoft.com/office/drawing/2014/main" id="{DC439D66-3163-FE6D-406A-5ABC63DD3231}"/>
               </a:ext>
             </a:extLst>
           </p:cNvPr>
@@ -2645,7 +2645,7 @@
           <p:cNvPr id="5" name="日期占位符 4">
             <a:extLst>
               <a:ext uri="{FF2B5EF4-FFF2-40B4-BE49-F238E27FC236}">
-                <a16:creationId xmlns:a16="http://schemas.microsoft.com/office/drawing/2014/main" id="{44AC3459-5240-1222-C0B0-AD6825915FBA}"/>
+                <a16:creationId xmlns:a16="http://schemas.microsoft.com/office/drawing/2014/main" id="{E94627B1-EA2B-937D-D834-25A5D5A0D17E}"/>
               </a:ext>
             </a:extLst>
           </p:cNvPr>
@@ -2661,7 +2661,7 @@
           <a:bodyPr/>
           <a:lstStyle/>
           <a:p>
-            <a:fld id="{8F5D4BA5-417B-4B67-8669-458E5A15C168}" type="datetimeFigureOut">
+            <a:fld id="{08EC6053-80E7-4621-B8B6-4C62C4FB548A}" type="datetimeFigureOut">
               <a:rPr lang="zh-CN" altLang="en-US" smtClean="0"/>
               <a:t>2024/3/10</a:t>
             </a:fld>
@@ -2674,7 +2674,7 @@
           <p:cNvPr id="6" name="页脚占位符 5">
             <a:extLst>
               <a:ext uri="{FF2B5EF4-FFF2-40B4-BE49-F238E27FC236}">
-                <a16:creationId xmlns:a16="http://schemas.microsoft.com/office/drawing/2014/main" id="{34A967FA-9A8B-C4FA-1188-AA267F0BF97F}"/>
+                <a16:creationId xmlns:a16="http://schemas.microsoft.com/office/drawing/2014/main" id="{384A7987-3371-7C6E-920E-D5690A60C6B4}"/>
               </a:ext>
             </a:extLst>
           </p:cNvPr>
@@ -2699,7 +2699,7 @@
           <p:cNvPr id="7" name="灯片编号占位符 6">
             <a:extLst>
               <a:ext uri="{FF2B5EF4-FFF2-40B4-BE49-F238E27FC236}">
-                <a16:creationId xmlns:a16="http://schemas.microsoft.com/office/drawing/2014/main" id="{FC1B5867-920B-DBB8-DCD9-D5E3F49FE712}"/>
+                <a16:creationId xmlns:a16="http://schemas.microsoft.com/office/drawing/2014/main" id="{FB03D20D-568E-C30D-5A7F-9C43B29D12A3}"/>
               </a:ext>
             </a:extLst>
           </p:cNvPr>
@@ -2715,7 +2715,7 @@
           <a:bodyPr/>
           <a:lstStyle/>
           <a:p>
-            <a:fld id="{A22E1B52-5A7C-4DEC-8270-8E8B79D366D1}" type="slidenum">
+            <a:fld id="{DF8E05D6-DE6D-4B68-A267-27C6E59C6C1C}" type="slidenum">
               <a:rPr lang="zh-CN" altLang="en-US" smtClean="0"/>
               <a:t>‹#›</a:t>
             </a:fld>
@@ -2726,7 +2726,7 @@
     </p:spTree>
     <p:extLst>
       <p:ext uri="{BB962C8B-B14F-4D97-AF65-F5344CB8AC3E}">
-        <p14:creationId xmlns:p14="http://schemas.microsoft.com/office/powerpoint/2010/main" val="3099945193"/>
+        <p14:creationId xmlns:p14="http://schemas.microsoft.com/office/powerpoint/2010/main" val="572044040"/>
       </p:ext>
     </p:extLst>
   </p:cSld>
@@ -2763,7 +2763,7 @@
           <p:cNvPr id="2" name="标题占位符 1">
             <a:extLst>
               <a:ext uri="{FF2B5EF4-FFF2-40B4-BE49-F238E27FC236}">
-                <a16:creationId xmlns:a16="http://schemas.microsoft.com/office/drawing/2014/main" id="{E66FC07E-D5A2-AB84-E8A3-3DDBB40A1699}"/>
+                <a16:creationId xmlns:a16="http://schemas.microsoft.com/office/drawing/2014/main" id="{366C9577-8E08-37CA-BC78-3F77CCADD3DB}"/>
               </a:ext>
             </a:extLst>
           </p:cNvPr>
@@ -2801,7 +2801,7 @@
           <p:cNvPr id="3" name="文本占位符 2">
             <a:extLst>
               <a:ext uri="{FF2B5EF4-FFF2-40B4-BE49-F238E27FC236}">
-                <a16:creationId xmlns:a16="http://schemas.microsoft.com/office/drawing/2014/main" id="{A0B8A412-B42F-EFAD-42F7-B17017A4FDAB}"/>
+                <a16:creationId xmlns:a16="http://schemas.microsoft.com/office/drawing/2014/main" id="{8ACB5F49-E8C1-951A-4DA8-7EDF35F26245}"/>
               </a:ext>
             </a:extLst>
           </p:cNvPr>
@@ -2868,7 +2868,7 @@
           <p:cNvPr id="4" name="日期占位符 3">
             <a:extLst>
               <a:ext uri="{FF2B5EF4-FFF2-40B4-BE49-F238E27FC236}">
-                <a16:creationId xmlns:a16="http://schemas.microsoft.com/office/drawing/2014/main" id="{0CB90334-368D-8E32-BD78-4460993D9797}"/>
+                <a16:creationId xmlns:a16="http://schemas.microsoft.com/office/drawing/2014/main" id="{3955AD51-4C1D-4FE9-27B6-1361A32FF09D}"/>
               </a:ext>
             </a:extLst>
           </p:cNvPr>
@@ -2902,7 +2902,7 @@
             </a:lvl1pPr>
           </a:lstStyle>
           <a:p>
-            <a:fld id="{8F5D4BA5-417B-4B67-8669-458E5A15C168}" type="datetimeFigureOut">
+            <a:fld id="{08EC6053-80E7-4621-B8B6-4C62C4FB548A}" type="datetimeFigureOut">
               <a:rPr lang="zh-CN" altLang="en-US" smtClean="0"/>
               <a:t>2024/3/10</a:t>
             </a:fld>
@@ -2915,7 +2915,7 @@
           <p:cNvPr id="5" name="页脚占位符 4">
             <a:extLst>
               <a:ext uri="{FF2B5EF4-FFF2-40B4-BE49-F238E27FC236}">
-                <a16:creationId xmlns:a16="http://schemas.microsoft.com/office/drawing/2014/main" id="{E7FBB7B9-B78A-1C53-6001-7F1E94036A2E}"/>
+                <a16:creationId xmlns:a16="http://schemas.microsoft.com/office/drawing/2014/main" id="{F79156EB-BCA5-0534-0E58-A9F2AB2D3A48}"/>
               </a:ext>
             </a:extLst>
           </p:cNvPr>
@@ -2958,7 +2958,7 @@
           <p:cNvPr id="6" name="灯片编号占位符 5">
             <a:extLst>
               <a:ext uri="{FF2B5EF4-FFF2-40B4-BE49-F238E27FC236}">
-                <a16:creationId xmlns:a16="http://schemas.microsoft.com/office/drawing/2014/main" id="{F00213E5-E2DC-7115-B3E4-54FFDF20170C}"/>
+                <a16:creationId xmlns:a16="http://schemas.microsoft.com/office/drawing/2014/main" id="{F9CA72AD-F963-F090-AEFB-5FADF4A72AA1}"/>
               </a:ext>
             </a:extLst>
           </p:cNvPr>
@@ -2992,7 +2992,7 @@
             </a:lvl1pPr>
           </a:lstStyle>
           <a:p>
-            <a:fld id="{A22E1B52-5A7C-4DEC-8270-8E8B79D366D1}" type="slidenum">
+            <a:fld id="{DF8E05D6-DE6D-4B68-A267-27C6E59C6C1C}" type="slidenum">
               <a:rPr lang="zh-CN" altLang="en-US" smtClean="0"/>
               <a:t>‹#›</a:t>
             </a:fld>
@@ -3003,7 +3003,7 @@
     </p:spTree>
     <p:extLst>
       <p:ext uri="{BB962C8B-B14F-4D97-AF65-F5344CB8AC3E}">
-        <p14:creationId xmlns:p14="http://schemas.microsoft.com/office/powerpoint/2010/main" val="145060809"/>
+        <p14:creationId xmlns:p14="http://schemas.microsoft.com/office/powerpoint/2010/main" val="1531263336"/>
       </p:ext>
     </p:extLst>
   </p:cSld>
